--- a/Presentacion Reto - Equipo 1.pptx
+++ b/Presentacion Reto - Equipo 1.pptx
@@ -15,22 +15,13 @@
     <p:sldId id="281" r:id="rId9"/>
     <p:sldId id="282" r:id="rId10"/>
     <p:sldId id="283" r:id="rId11"/>
-    <p:sldId id="257" r:id="rId12"/>
-    <p:sldId id="272" r:id="rId13"/>
-    <p:sldId id="259" r:id="rId14"/>
-    <p:sldId id="260" r:id="rId15"/>
-    <p:sldId id="263" r:id="rId16"/>
-    <p:sldId id="261" r:id="rId17"/>
-    <p:sldId id="264" r:id="rId18"/>
-    <p:sldId id="265" r:id="rId19"/>
-    <p:sldId id="266" r:id="rId20"/>
-    <p:sldId id="270" r:id="rId21"/>
-    <p:sldId id="267" r:id="rId22"/>
-    <p:sldId id="268" r:id="rId23"/>
-    <p:sldId id="269" r:id="rId24"/>
-    <p:sldId id="273" r:id="rId25"/>
-    <p:sldId id="274" r:id="rId26"/>
-    <p:sldId id="275" r:id="rId27"/>
+    <p:sldId id="284" r:id="rId12"/>
+    <p:sldId id="257" r:id="rId13"/>
+    <p:sldId id="272" r:id="rId14"/>
+    <p:sldId id="286" r:id="rId15"/>
+    <p:sldId id="273" r:id="rId16"/>
+    <p:sldId id="274" r:id="rId17"/>
+    <p:sldId id="285" r:id="rId18"/>
   </p:sldIdLst>
   <p:sldSz cx="9144000" cy="6858000" type="screen4x3"/>
   <p:notesSz cx="6858000" cy="9144000"/>
@@ -326,6 +317,7 @@
           <a:p>
             <a:fld id="{2DA4A44A-E72D-4120-AA3B-4AB728FFAE6F}" type="datetimeFigureOut">
               <a:rPr lang="es-ES" smtClean="0"/>
+              <a:pPr/>
               <a:t>17/05/2024</a:t>
             </a:fld>
             <a:endParaRPr lang="es-ES"/>
@@ -378,6 +370,7 @@
           <a:p>
             <a:fld id="{43E403F5-3ABB-40F5-8BA9-C54D382ECFEC}" type="slidenum">
               <a:rPr lang="es-ES" smtClean="0"/>
+              <a:pPr/>
               <a:t>‹Nº›</a:t>
             </a:fld>
             <a:endParaRPr lang="es-ES"/>
@@ -679,6 +672,7 @@
           <a:p>
             <a:fld id="{2DA4A44A-E72D-4120-AA3B-4AB728FFAE6F}" type="datetimeFigureOut">
               <a:rPr lang="es-ES" smtClean="0"/>
+              <a:pPr/>
               <a:t>17/05/2024</a:t>
             </a:fld>
             <a:endParaRPr lang="es-ES"/>
@@ -721,6 +715,7 @@
           <a:p>
             <a:fld id="{43E403F5-3ABB-40F5-8BA9-C54D382ECFEC}" type="slidenum">
               <a:rPr lang="es-ES" smtClean="0"/>
+              <a:pPr/>
               <a:t>‹Nº›</a:t>
             </a:fld>
             <a:endParaRPr lang="es-ES"/>
@@ -854,6 +849,7 @@
           <a:p>
             <a:fld id="{2DA4A44A-E72D-4120-AA3B-4AB728FFAE6F}" type="datetimeFigureOut">
               <a:rPr lang="es-ES" smtClean="0"/>
+              <a:pPr/>
               <a:t>17/05/2024</a:t>
             </a:fld>
             <a:endParaRPr lang="es-ES"/>
@@ -896,6 +892,7 @@
           <a:p>
             <a:fld id="{43E403F5-3ABB-40F5-8BA9-C54D382ECFEC}" type="slidenum">
               <a:rPr lang="es-ES" smtClean="0"/>
+              <a:pPr/>
               <a:t>‹Nº›</a:t>
             </a:fld>
             <a:endParaRPr lang="es-ES"/>
@@ -967,6 +964,7 @@
           <a:p>
             <a:fld id="{2DA4A44A-E72D-4120-AA3B-4AB728FFAE6F}" type="datetimeFigureOut">
               <a:rPr lang="es-ES" smtClean="0"/>
+              <a:pPr/>
               <a:t>17/05/2024</a:t>
             </a:fld>
             <a:endParaRPr lang="es-ES"/>
@@ -1009,6 +1007,7 @@
           <a:p>
             <a:fld id="{43E403F5-3ABB-40F5-8BA9-C54D382ECFEC}" type="slidenum">
               <a:rPr lang="es-ES" smtClean="0"/>
+              <a:pPr/>
               <a:t>‹Nº›</a:t>
             </a:fld>
             <a:endParaRPr lang="es-ES"/>
@@ -1325,6 +1324,7 @@
           <a:p>
             <a:fld id="{2DA4A44A-E72D-4120-AA3B-4AB728FFAE6F}" type="datetimeFigureOut">
               <a:rPr lang="es-ES" smtClean="0"/>
+              <a:pPr/>
               <a:t>17/05/2024</a:t>
             </a:fld>
             <a:endParaRPr lang="es-ES"/>
@@ -1519,6 +1519,7 @@
           <a:p>
             <a:fld id="{43E403F5-3ABB-40F5-8BA9-C54D382ECFEC}" type="slidenum">
               <a:rPr lang="es-ES" smtClean="0"/>
+              <a:pPr/>
               <a:t>‹Nº›</a:t>
             </a:fld>
             <a:endParaRPr lang="es-ES"/>
@@ -1590,6 +1591,7 @@
           <a:p>
             <a:fld id="{2DA4A44A-E72D-4120-AA3B-4AB728FFAE6F}" type="datetimeFigureOut">
               <a:rPr lang="es-ES" smtClean="0"/>
+              <a:pPr/>
               <a:t>17/05/2024</a:t>
             </a:fld>
             <a:endParaRPr lang="es-ES"/>
@@ -1632,6 +1634,7 @@
           <a:p>
             <a:fld id="{43E403F5-3ABB-40F5-8BA9-C54D382ECFEC}" type="slidenum">
               <a:rPr lang="es-ES" smtClean="0"/>
+              <a:pPr/>
               <a:t>‹Nº›</a:t>
             </a:fld>
             <a:endParaRPr lang="es-ES"/>
@@ -1952,6 +1955,7 @@
           <a:p>
             <a:fld id="{2DA4A44A-E72D-4120-AA3B-4AB728FFAE6F}" type="datetimeFigureOut">
               <a:rPr lang="es-ES" smtClean="0"/>
+              <a:pPr/>
               <a:t>17/05/2024</a:t>
             </a:fld>
             <a:endParaRPr lang="es-ES"/>
@@ -1994,6 +1998,7 @@
           <a:p>
             <a:fld id="{43E403F5-3ABB-40F5-8BA9-C54D382ECFEC}" type="slidenum">
               <a:rPr lang="es-ES" smtClean="0"/>
+              <a:pPr/>
               <a:t>‹Nº›</a:t>
             </a:fld>
             <a:endParaRPr lang="es-ES"/>
@@ -2179,6 +2184,7 @@
           <a:p>
             <a:fld id="{2DA4A44A-E72D-4120-AA3B-4AB728FFAE6F}" type="datetimeFigureOut">
               <a:rPr lang="es-ES" smtClean="0"/>
+              <a:pPr/>
               <a:t>17/05/2024</a:t>
             </a:fld>
             <a:endParaRPr lang="es-ES"/>
@@ -2221,6 +2227,7 @@
           <a:p>
             <a:fld id="{43E403F5-3ABB-40F5-8BA9-C54D382ECFEC}" type="slidenum">
               <a:rPr lang="es-ES" smtClean="0"/>
+              <a:pPr/>
               <a:t>‹Nº›</a:t>
             </a:fld>
             <a:endParaRPr lang="es-ES"/>
@@ -2269,6 +2276,7 @@
           <a:p>
             <a:fld id="{2DA4A44A-E72D-4120-AA3B-4AB728FFAE6F}" type="datetimeFigureOut">
               <a:rPr lang="es-ES" smtClean="0"/>
+              <a:pPr/>
               <a:t>17/05/2024</a:t>
             </a:fld>
             <a:endParaRPr lang="es-ES"/>
@@ -2311,6 +2319,7 @@
           <a:p>
             <a:fld id="{43E403F5-3ABB-40F5-8BA9-C54D382ECFEC}" type="slidenum">
               <a:rPr lang="es-ES" smtClean="0"/>
+              <a:pPr/>
               <a:t>‹Nº›</a:t>
             </a:fld>
             <a:endParaRPr lang="es-ES"/>
@@ -2536,6 +2545,7 @@
           <a:p>
             <a:fld id="{2DA4A44A-E72D-4120-AA3B-4AB728FFAE6F}" type="datetimeFigureOut">
               <a:rPr lang="es-ES" smtClean="0"/>
+              <a:pPr/>
               <a:t>17/05/2024</a:t>
             </a:fld>
             <a:endParaRPr lang="es-ES"/>
@@ -2578,6 +2588,7 @@
           <a:p>
             <a:fld id="{43E403F5-3ABB-40F5-8BA9-C54D382ECFEC}" type="slidenum">
               <a:rPr lang="es-ES" smtClean="0"/>
+              <a:pPr/>
               <a:t>‹Nº›</a:t>
             </a:fld>
             <a:endParaRPr lang="es-ES"/>
@@ -2764,6 +2775,7 @@
           <a:p>
             <a:fld id="{2DA4A44A-E72D-4120-AA3B-4AB728FFAE6F}" type="datetimeFigureOut">
               <a:rPr lang="es-ES" smtClean="0"/>
+              <a:pPr/>
               <a:t>17/05/2024</a:t>
             </a:fld>
             <a:endParaRPr lang="es-ES"/>
@@ -2816,6 +2828,7 @@
           <a:p>
             <a:fld id="{43E403F5-3ABB-40F5-8BA9-C54D382ECFEC}" type="slidenum">
               <a:rPr lang="es-ES" smtClean="0"/>
+              <a:pPr/>
               <a:t>‹Nº›</a:t>
             </a:fld>
             <a:endParaRPr lang="es-ES"/>
@@ -3263,6 +3276,7 @@
           <a:p>
             <a:fld id="{2DA4A44A-E72D-4120-AA3B-4AB728FFAE6F}" type="datetimeFigureOut">
               <a:rPr lang="es-ES" smtClean="0"/>
+              <a:pPr/>
               <a:t>17/05/2024</a:t>
             </a:fld>
             <a:endParaRPr lang="es-ES"/>
@@ -3345,6 +3359,7 @@
           <a:p>
             <a:fld id="{43E403F5-3ABB-40F5-8BA9-C54D382ECFEC}" type="slidenum">
               <a:rPr lang="es-ES" smtClean="0"/>
+              <a:pPr/>
               <a:t>‹Nº›</a:t>
             </a:fld>
             <a:endParaRPr lang="es-ES"/>
@@ -3746,7 +3761,7 @@
           <p:nvPr/>
         </p:nvPicPr>
         <p:blipFill>
-          <a:blip r:embed="rId2"/>
+          <a:blip r:embed="rId2" cstate="print"/>
           <a:stretch>
             <a:fillRect/>
           </a:stretch>
@@ -3770,7 +3785,7 @@
           <p:nvPr/>
         </p:nvPicPr>
         <p:blipFill>
-          <a:blip r:embed="rId3"/>
+          <a:blip r:embed="rId3" cstate="print"/>
           <a:stretch>
             <a:fillRect/>
           </a:stretch>
@@ -3826,10 +3841,16 @@
           <a:lstStyle/>
           <a:p>
             <a:r>
-              <a:rPr lang="es-ES" dirty="0" smtClean="0"/>
+              <a:rPr lang="es-ES" dirty="0" smtClean="0">
+                <a:latin typeface="Cambria" pitchFamily="18" charset="0"/>
+                <a:ea typeface="Cambria" pitchFamily="18" charset="0"/>
+              </a:rPr>
               <a:t>Actividad – foto actividad</a:t>
             </a:r>
-            <a:endParaRPr lang="es-ES" dirty="0"/>
+            <a:endParaRPr lang="es-ES" dirty="0">
+              <a:latin typeface="Cambria" pitchFamily="18" charset="0"/>
+              <a:ea typeface="Cambria" pitchFamily="18" charset="0"/>
+            </a:endParaRPr>
           </a:p>
         </p:txBody>
       </p:sp>
@@ -3844,7 +3865,7 @@
           </p:nvPr>
         </p:nvPicPr>
         <p:blipFill>
-          <a:blip r:embed="rId2"/>
+          <a:blip r:embed="rId2" cstate="print"/>
           <a:stretch>
             <a:fillRect/>
           </a:stretch>
@@ -3883,7 +3904,7 @@
       </p:grpSpPr>
       <p:sp>
         <p:nvSpPr>
-          <p:cNvPr id="3" name="2 Título"/>
+          <p:cNvPr id="2" name="1 Título"/>
           <p:cNvSpPr>
             <a:spLocks noGrp="1"/>
           </p:cNvSpPr>
@@ -3891,25 +3912,17 @@
             <p:ph type="title"/>
           </p:nvPr>
         </p:nvSpPr>
-        <p:spPr>
-          <a:xfrm>
-            <a:off x="785786" y="214290"/>
-            <a:ext cx="7772400" cy="631844"/>
-          </a:xfrm>
-        </p:spPr>
-        <p:txBody>
-          <a:bodyPr>
-            <a:normAutofit fontScale="90000"/>
-          </a:bodyPr>
-          <a:lstStyle/>
-          <a:p>
-            <a:pPr algn="ctr"/>
+        <p:spPr/>
+        <p:txBody>
+          <a:bodyPr/>
+          <a:lstStyle/>
+          <a:p>
             <a:r>
               <a:rPr lang="es-ES" dirty="0" smtClean="0">
                 <a:latin typeface="Cambria" pitchFamily="18" charset="0"/>
                 <a:ea typeface="Cambria" pitchFamily="18" charset="0"/>
               </a:rPr>
-              <a:t>BASE DE DATOS. PASO A TABLAS</a:t>
+              <a:t>Diagrama relacional</a:t>
             </a:r>
             <a:endParaRPr lang="es-ES" dirty="0">
               <a:latin typeface="Cambria" pitchFamily="18" charset="0"/>
@@ -3920,7 +3933,7 @@
       </p:sp>
       <p:pic>
         <p:nvPicPr>
-          <p:cNvPr id="4" name="3 Marcador de contenido" descr="diagrama paso a tablas.png"/>
+          <p:cNvPr id="4" name="3 Marcador de contenido" descr="Diagrama-relacional-Equipo-1.jpg"/>
           <p:cNvPicPr>
             <a:picLocks noGrp="1" noChangeAspect="1"/>
           </p:cNvPicPr>
@@ -3929,15 +3942,15 @@
           </p:nvPr>
         </p:nvPicPr>
         <p:blipFill>
-          <a:blip r:embed="rId2"/>
+          <a:blip r:embed="rId2" cstate="print"/>
           <a:stretch>
             <a:fillRect/>
           </a:stretch>
         </p:blipFill>
         <p:spPr>
           <a:xfrm>
-            <a:off x="2428860" y="785794"/>
-            <a:ext cx="4164674" cy="5930341"/>
+            <a:off x="179512" y="1772815"/>
+            <a:ext cx="8784976" cy="4217695"/>
           </a:xfrm>
         </p:spPr>
       </p:pic>
@@ -3968,7 +3981,7 @@
       </p:grpSpPr>
       <p:sp>
         <p:nvSpPr>
-          <p:cNvPr id="4" name="3 Título"/>
+          <p:cNvPr id="3" name="2 Título"/>
           <p:cNvSpPr>
             <a:spLocks noGrp="1"/>
           </p:cNvSpPr>
@@ -3976,39 +3989,16 @@
             <p:ph type="title"/>
           </p:nvPr>
         </p:nvSpPr>
-        <p:spPr/>
-        <p:txBody>
-          <a:bodyPr/>
-          <a:lstStyle/>
-          <a:p>
-            <a:pPr algn="ctr"/>
-            <a:r>
-              <a:rPr lang="es-ES" b="1" dirty="0" smtClean="0">
-                <a:latin typeface="Cambria" pitchFamily="18" charset="0"/>
-                <a:ea typeface="Cambria" pitchFamily="18" charset="0"/>
-              </a:rPr>
-              <a:t>PAGINA WEB</a:t>
-            </a:r>
-            <a:endParaRPr lang="es-ES" b="1" dirty="0">
-              <a:latin typeface="Cambria" pitchFamily="18" charset="0"/>
-              <a:ea typeface="Cambria" pitchFamily="18" charset="0"/>
-            </a:endParaRPr>
-          </a:p>
-        </p:txBody>
-      </p:sp>
-      <p:sp>
-        <p:nvSpPr>
-          <p:cNvPr id="6" name="5 Marcador de texto"/>
-          <p:cNvSpPr>
-            <a:spLocks noGrp="1"/>
-          </p:cNvSpPr>
-          <p:nvPr>
-            <p:ph type="body" sz="half" idx="2"/>
-          </p:nvPr>
-        </p:nvSpPr>
-        <p:spPr/>
-        <p:txBody>
-          <a:bodyPr/>
+        <p:spPr>
+          <a:xfrm>
+            <a:off x="785786" y="214290"/>
+            <a:ext cx="7772400" cy="631844"/>
+          </a:xfrm>
+        </p:spPr>
+        <p:txBody>
+          <a:bodyPr>
+            <a:normAutofit fontScale="90000"/>
+          </a:bodyPr>
           <a:lstStyle/>
           <a:p>
             <a:pPr algn="ctr"/>
@@ -4017,7 +4007,7 @@
                 <a:latin typeface="Cambria" pitchFamily="18" charset="0"/>
                 <a:ea typeface="Cambria" pitchFamily="18" charset="0"/>
               </a:rPr>
-              <a:t>Paula Rivero</a:t>
+              <a:t>BASE DE DATOS. PASO A TABLAS</a:t>
             </a:r>
             <a:endParaRPr lang="es-ES" dirty="0">
               <a:latin typeface="Cambria" pitchFamily="18" charset="0"/>
@@ -4028,25 +4018,24 @@
       </p:sp>
       <p:pic>
         <p:nvPicPr>
-          <p:cNvPr id="7" name="6 Marcador de posición de imagen" descr="estructura-paginas-web.png"/>
+          <p:cNvPr id="4" name="3 Marcador de contenido" descr="diagrama paso a tablas.png"/>
           <p:cNvPicPr>
             <a:picLocks noGrp="1" noChangeAspect="1"/>
           </p:cNvPicPr>
           <p:nvPr>
-            <p:ph type="pic" idx="1"/>
+            <p:ph sz="quarter" idx="1"/>
           </p:nvPr>
         </p:nvPicPr>
         <p:blipFill>
-          <a:blip r:embed="rId2"/>
-          <a:srcRect t="5194" b="5194"/>
+          <a:blip r:embed="rId2" cstate="print"/>
           <a:stretch>
             <a:fillRect/>
           </a:stretch>
         </p:blipFill>
         <p:spPr>
           <a:xfrm>
-            <a:off x="68308" y="66675"/>
-            <a:ext cx="9001873" cy="4719647"/>
+            <a:off x="2428860" y="785794"/>
+            <a:ext cx="4164674" cy="5930341"/>
           </a:xfrm>
         </p:spPr>
       </p:pic>
@@ -4077,7 +4066,7 @@
       </p:grpSpPr>
       <p:sp>
         <p:nvSpPr>
-          <p:cNvPr id="2" name="1 Título"/>
+          <p:cNvPr id="4" name="3 Título"/>
           <p:cNvSpPr>
             <a:spLocks noGrp="1"/>
           </p:cNvSpPr>
@@ -4087,17 +4076,46 @@
         </p:nvSpPr>
         <p:spPr/>
         <p:txBody>
-          <a:bodyPr>
-            <a:normAutofit/>
-          </a:bodyPr>
-          <a:lstStyle/>
-          <a:p>
+          <a:bodyPr/>
+          <a:lstStyle/>
+          <a:p>
+            <a:pPr algn="ctr"/>
+            <a:r>
+              <a:rPr lang="es-ES" b="1" dirty="0" smtClean="0">
+                <a:latin typeface="Cambria" pitchFamily="18" charset="0"/>
+                <a:ea typeface="Cambria" pitchFamily="18" charset="0"/>
+              </a:rPr>
+              <a:t>PAGINA WEB</a:t>
+            </a:r>
+            <a:endParaRPr lang="es-ES" b="1" dirty="0">
+              <a:latin typeface="Cambria" pitchFamily="18" charset="0"/>
+              <a:ea typeface="Cambria" pitchFamily="18" charset="0"/>
+            </a:endParaRPr>
+          </a:p>
+        </p:txBody>
+      </p:sp>
+      <p:sp>
+        <p:nvSpPr>
+          <p:cNvPr id="6" name="5 Marcador de texto"/>
+          <p:cNvSpPr>
+            <a:spLocks noGrp="1"/>
+          </p:cNvSpPr>
+          <p:nvPr>
+            <p:ph type="body" sz="half" idx="2"/>
+          </p:nvPr>
+        </p:nvSpPr>
+        <p:spPr/>
+        <p:txBody>
+          <a:bodyPr/>
+          <a:lstStyle/>
+          <a:p>
+            <a:pPr algn="ctr"/>
             <a:r>
               <a:rPr lang="es-ES" dirty="0" smtClean="0">
                 <a:latin typeface="Cambria" pitchFamily="18" charset="0"/>
                 <a:ea typeface="Cambria" pitchFamily="18" charset="0"/>
               </a:rPr>
-              <a:t>Pagina web. Cabecera</a:t>
+              <a:t>Paula Rivero</a:t>
             </a:r>
             <a:endParaRPr lang="es-ES" dirty="0">
               <a:latin typeface="Cambria" pitchFamily="18" charset="0"/>
@@ -4108,37 +4126,26 @@
       </p:sp>
       <p:pic>
         <p:nvPicPr>
-          <p:cNvPr id="1027" name="Picture 3"/>
+          <p:cNvPr id="7" name="6 Marcador de posición de imagen" descr="estructura-paginas-web.png"/>
           <p:cNvPicPr>
-            <a:picLocks noGrp="1" noChangeAspect="1" noChangeArrowheads="1"/>
+            <a:picLocks noGrp="1" noChangeAspect="1"/>
           </p:cNvPicPr>
           <p:nvPr>
-            <p:ph sz="quarter" idx="1"/>
+            <p:ph type="pic" idx="1"/>
           </p:nvPr>
         </p:nvPicPr>
         <p:blipFill>
-          <a:blip r:embed="rId2"/>
-          <a:srcRect/>
+          <a:blip r:embed="rId2" cstate="print"/>
+          <a:srcRect t="5194" b="5194"/>
           <a:stretch>
             <a:fillRect/>
           </a:stretch>
         </p:blipFill>
-        <p:spPr bwMode="auto">
-          <a:xfrm>
-            <a:off x="1000100" y="2000240"/>
-            <a:ext cx="7014060" cy="2071702"/>
-          </a:xfrm>
-          <a:prstGeom prst="rect">
-            <a:avLst/>
-          </a:prstGeom>
-          <a:noFill/>
-          <a:ln w="9525">
-            <a:noFill/>
-            <a:miter lim="800000"/>
-            <a:headEnd/>
-            <a:tailEnd/>
-          </a:ln>
-          <a:effectLst/>
+        <p:spPr>
+          <a:xfrm>
+            <a:off x="68308" y="66675"/>
+            <a:ext cx="9001873" cy="4719647"/>
+          </a:xfrm>
         </p:spPr>
       </p:pic>
     </p:spTree>
@@ -4168,7 +4175,7 @@
       </p:grpSpPr>
       <p:sp>
         <p:nvSpPr>
-          <p:cNvPr id="2" name="1 Título"/>
+          <p:cNvPr id="5" name="4 Título"/>
           <p:cNvSpPr>
             <a:spLocks noGrp="1"/>
           </p:cNvSpPr>
@@ -4178,9 +4185,7 @@
         </p:nvSpPr>
         <p:spPr/>
         <p:txBody>
-          <a:bodyPr>
-            <a:normAutofit/>
-          </a:bodyPr>
+          <a:bodyPr/>
           <a:lstStyle/>
           <a:p>
             <a:r>
@@ -4188,7 +4193,7 @@
                 <a:latin typeface="Cambria" pitchFamily="18" charset="0"/>
                 <a:ea typeface="Cambria" pitchFamily="18" charset="0"/>
               </a:rPr>
-              <a:t>Pagina web. Menú</a:t>
+              <a:t>Pagina web. </a:t>
             </a:r>
             <a:endParaRPr lang="es-ES" dirty="0">
               <a:latin typeface="Cambria" pitchFamily="18" charset="0"/>
@@ -4199,7 +4204,7 @@
       </p:sp>
       <p:pic>
         <p:nvPicPr>
-          <p:cNvPr id="2050" name="Picture 2"/>
+          <p:cNvPr id="1026" name="Picture 2"/>
           <p:cNvPicPr>
             <a:picLocks noGrp="1" noChangeAspect="1" noChangeArrowheads="1"/>
           </p:cNvPicPr>
@@ -4208,7 +4213,7 @@
           </p:nvPr>
         </p:nvPicPr>
         <p:blipFill>
-          <a:blip r:embed="rId2"/>
+          <a:blip r:embed="rId2" cstate="print"/>
           <a:srcRect/>
           <a:stretch>
             <a:fillRect/>
@@ -4216,8 +4221,8 @@
         </p:blipFill>
         <p:spPr bwMode="auto">
           <a:xfrm>
-            <a:off x="357158" y="1500174"/>
-            <a:ext cx="8327705" cy="4714908"/>
+            <a:off x="3707904" y="1844825"/>
+            <a:ext cx="5197381" cy="2687234"/>
           </a:xfrm>
           <a:prstGeom prst="rect">
             <a:avLst/>
@@ -4232,6 +4237,81 @@
           <a:effectLst/>
         </p:spPr>
       </p:pic>
+      <p:sp>
+        <p:nvSpPr>
+          <p:cNvPr id="8" name="7 CuadroTexto"/>
+          <p:cNvSpPr txBox="1"/>
+          <p:nvPr/>
+        </p:nvSpPr>
+        <p:spPr>
+          <a:xfrm>
+            <a:off x="251520" y="1700808"/>
+            <a:ext cx="3456384" cy="4247317"/>
+          </a:xfrm>
+          <a:prstGeom prst="rect">
+            <a:avLst/>
+          </a:prstGeom>
+          <a:noFill/>
+        </p:spPr>
+        <p:txBody>
+          <a:bodyPr wrap="square" rtlCol="0">
+            <a:spAutoFit/>
+          </a:bodyPr>
+          <a:lstStyle/>
+          <a:p>
+            <a:r>
+              <a:rPr lang="es-ES" b="1" dirty="0" smtClean="0"/>
+              <a:t>Inicio:</a:t>
+            </a:r>
+            <a:r>
+              <a:rPr lang="es-ES" dirty="0" smtClean="0"/>
+              <a:t> Una pagina de introducción</a:t>
+            </a:r>
+          </a:p>
+          <a:p>
+            <a:endParaRPr lang="es-ES" dirty="0" smtClean="0"/>
+          </a:p>
+          <a:p>
+            <a:r>
+              <a:rPr lang="es-ES" b="1" dirty="0" smtClean="0"/>
+              <a:t>Actividades:</a:t>
+            </a:r>
+            <a:r>
+              <a:rPr lang="es-ES" dirty="0" smtClean="0"/>
+              <a:t> Tiene 2 tablas con las Actividades realizadas y que se van a realizar en el instituto, su estado, titulo y personas involucradas y horarios</a:t>
+            </a:r>
+          </a:p>
+          <a:p>
+            <a:endParaRPr lang="es-ES" dirty="0" smtClean="0"/>
+          </a:p>
+          <a:p>
+            <a:r>
+              <a:rPr lang="es-ES" b="1" dirty="0" smtClean="0"/>
+              <a:t>Sobre Nosotros: </a:t>
+            </a:r>
+            <a:r>
+              <a:rPr lang="es-ES" dirty="0" smtClean="0"/>
+              <a:t>Incluye una breve información del centro y sus instalaciones</a:t>
+            </a:r>
+          </a:p>
+          <a:p>
+            <a:endParaRPr lang="es-ES" dirty="0" smtClean="0"/>
+          </a:p>
+          <a:p>
+            <a:r>
+              <a:rPr lang="es-ES" b="1" dirty="0" smtClean="0"/>
+              <a:t>Galería:</a:t>
+            </a:r>
+            <a:r>
+              <a:rPr lang="es-ES" dirty="0" smtClean="0"/>
+              <a:t> Contiene las fotos de las actividades que se han realizado y una descripción de cada una</a:t>
+            </a:r>
+          </a:p>
+          <a:p>
+            <a:endParaRPr lang="es-ES" dirty="0"/>
+          </a:p>
+        </p:txBody>
+      </p:sp>
     </p:spTree>
   </p:cSld>
   <p:clrMapOvr>
@@ -4259,7 +4339,7 @@
       </p:grpSpPr>
       <p:sp>
         <p:nvSpPr>
-          <p:cNvPr id="2" name="1 Título"/>
+          <p:cNvPr id="4" name="3 Título"/>
           <p:cNvSpPr>
             <a:spLocks noGrp="1"/>
           </p:cNvSpPr>
@@ -4269,72 +4349,70 @@
         </p:nvSpPr>
         <p:spPr/>
         <p:txBody>
-          <a:bodyPr>
-            <a:normAutofit/>
-          </a:bodyPr>
-          <a:lstStyle/>
-          <a:p>
-            <a:r>
-              <a:rPr lang="es-ES" dirty="0" smtClean="0">
+          <a:bodyPr/>
+          <a:lstStyle/>
+          <a:p>
+            <a:pPr algn="ctr"/>
+            <a:r>
+              <a:rPr lang="es-ES" b="1" dirty="0" smtClean="0">
                 <a:latin typeface="Cambria" pitchFamily="18" charset="0"/>
                 <a:ea typeface="Cambria" pitchFamily="18" charset="0"/>
               </a:rPr>
-              <a:t>Pagina web. </a:t>
-            </a:r>
-            <a:r>
-              <a:rPr lang="es-ES" dirty="0" smtClean="0">
-                <a:latin typeface="Cambria" pitchFamily="18" charset="0"/>
-                <a:ea typeface="Cambria" pitchFamily="18" charset="0"/>
-              </a:rPr>
-              <a:t>Pié </a:t>
-            </a:r>
-            <a:r>
-              <a:rPr lang="es-ES" dirty="0" smtClean="0">
-                <a:latin typeface="Cambria" pitchFamily="18" charset="0"/>
-                <a:ea typeface="Cambria" pitchFamily="18" charset="0"/>
-              </a:rPr>
-              <a:t>de pagina</a:t>
-            </a:r>
-            <a:endParaRPr lang="es-ES" dirty="0">
+              <a:t>PROGRAMA</a:t>
+            </a:r>
+            <a:endParaRPr lang="es-ES" b="1" dirty="0">
               <a:latin typeface="Cambria" pitchFamily="18" charset="0"/>
               <a:ea typeface="Cambria" pitchFamily="18" charset="0"/>
             </a:endParaRPr>
           </a:p>
         </p:txBody>
       </p:sp>
+      <p:sp>
+        <p:nvSpPr>
+          <p:cNvPr id="6" name="5 Marcador de texto"/>
+          <p:cNvSpPr>
+            <a:spLocks noGrp="1"/>
+          </p:cNvSpPr>
+          <p:nvPr>
+            <p:ph type="body" sz="half" idx="2"/>
+          </p:nvPr>
+        </p:nvSpPr>
+        <p:spPr/>
+        <p:txBody>
+          <a:bodyPr/>
+          <a:lstStyle/>
+          <a:p>
+            <a:pPr algn="ctr"/>
+            <a:r>
+              <a:rPr lang="es-ES" dirty="0" smtClean="0"/>
+              <a:t>Néstor Serna</a:t>
+            </a:r>
+            <a:endParaRPr lang="es-ES" dirty="0"/>
+          </a:p>
+        </p:txBody>
+      </p:sp>
       <p:pic>
         <p:nvPicPr>
-          <p:cNvPr id="4098" name="Picture 2"/>
+          <p:cNvPr id="9" name="8 Marcador de posición de imagen" descr="1366_2000.jpeg"/>
           <p:cNvPicPr>
-            <a:picLocks noGrp="1" noChangeAspect="1" noChangeArrowheads="1"/>
+            <a:picLocks noGrp="1" noChangeAspect="1"/>
           </p:cNvPicPr>
           <p:nvPr>
-            <p:ph sz="quarter" idx="1"/>
+            <p:ph type="pic" idx="1"/>
           </p:nvPr>
         </p:nvPicPr>
         <p:blipFill>
-          <a:blip r:embed="rId2"/>
-          <a:srcRect/>
+          <a:blip r:embed="rId2" cstate="print"/>
+          <a:srcRect t="549" b="549"/>
           <a:stretch>
             <a:fillRect/>
           </a:stretch>
         </p:blipFill>
-        <p:spPr bwMode="auto">
-          <a:xfrm>
-            <a:off x="214281" y="1428736"/>
-            <a:ext cx="8780665" cy="5072098"/>
-          </a:xfrm>
-          <a:prstGeom prst="rect">
-            <a:avLst/>
-          </a:prstGeom>
-          <a:noFill/>
-          <a:ln w="9525">
-            <a:noFill/>
-            <a:miter lim="800000"/>
-            <a:headEnd/>
-            <a:tailEnd/>
-          </a:ln>
-          <a:effectLst/>
+        <p:spPr>
+          <a:xfrm>
+            <a:off x="68308" y="66675"/>
+            <a:ext cx="9001873" cy="4719647"/>
+          </a:xfrm>
         </p:spPr>
       </p:pic>
     </p:spTree>
@@ -4377,53 +4455,67 @@
           <a:bodyPr/>
           <a:lstStyle/>
           <a:p>
-            <a:r>
-              <a:rPr lang="es-ES" dirty="0" smtClean="0">
+            <a:pPr algn="ctr"/>
+            <a:r>
+              <a:rPr lang="es-ES" b="1" dirty="0" smtClean="0">
                 <a:latin typeface="Cambria" pitchFamily="18" charset="0"/>
                 <a:ea typeface="Cambria" pitchFamily="18" charset="0"/>
               </a:rPr>
-              <a:t>Pagina web. Inicio</a:t>
-            </a:r>
-            <a:endParaRPr lang="es-ES" dirty="0">
+              <a:t>SISTEMAS INFORMÁTICOS</a:t>
+            </a:r>
+            <a:endParaRPr lang="es-ES" b="1" dirty="0">
               <a:latin typeface="Cambria" pitchFamily="18" charset="0"/>
               <a:ea typeface="Cambria" pitchFamily="18" charset="0"/>
             </a:endParaRPr>
           </a:p>
         </p:txBody>
       </p:sp>
+      <p:sp>
+        <p:nvSpPr>
+          <p:cNvPr id="3" name="2 Marcador de texto"/>
+          <p:cNvSpPr>
+            <a:spLocks noGrp="1"/>
+          </p:cNvSpPr>
+          <p:nvPr>
+            <p:ph type="body" sz="half" idx="2"/>
+          </p:nvPr>
+        </p:nvSpPr>
+        <p:spPr/>
+        <p:txBody>
+          <a:bodyPr/>
+          <a:lstStyle/>
+          <a:p>
+            <a:pPr algn="ctr"/>
+            <a:r>
+              <a:rPr lang="es-ES" dirty="0" smtClean="0"/>
+              <a:t>Adrián Tresgallo</a:t>
+            </a:r>
+            <a:endParaRPr lang="es-ES" dirty="0"/>
+          </a:p>
+        </p:txBody>
+      </p:sp>
       <p:pic>
         <p:nvPicPr>
-          <p:cNvPr id="3074" name="Picture 2"/>
+          <p:cNvPr id="7" name="6 Marcador de posición de imagen" descr="Screenshot 2024-05-17 at 10-03-17 virtualbox-maquina-virtual-optimized.webp (Imagen AVIF 1280 × 720 píxeles) - Escalado (98 %).png"/>
           <p:cNvPicPr>
-            <a:picLocks noGrp="1" noChangeAspect="1" noChangeArrowheads="1"/>
+            <a:picLocks noGrp="1" noChangeAspect="1"/>
           </p:cNvPicPr>
           <p:nvPr>
-            <p:ph sz="quarter" idx="1"/>
+            <p:ph type="pic" idx="1"/>
           </p:nvPr>
         </p:nvPicPr>
         <p:blipFill>
-          <a:blip r:embed="rId2"/>
-          <a:srcRect/>
+          <a:blip r:embed="rId2" cstate="print"/>
+          <a:srcRect t="4753" b="4753"/>
           <a:stretch>
             <a:fillRect/>
           </a:stretch>
         </p:blipFill>
-        <p:spPr bwMode="auto">
-          <a:xfrm>
-            <a:off x="285720" y="1785926"/>
-            <a:ext cx="8610114" cy="3143272"/>
-          </a:xfrm>
-          <a:prstGeom prst="rect">
-            <a:avLst/>
-          </a:prstGeom>
-          <a:noFill/>
-          <a:ln w="9525">
-            <a:noFill/>
-            <a:miter lim="800000"/>
-            <a:headEnd/>
-            <a:tailEnd/>
-          </a:ln>
-          <a:effectLst/>
+        <p:spPr>
+          <a:xfrm>
+            <a:off x="68308" y="66675"/>
+            <a:ext cx="9001873" cy="4719647"/>
+          </a:xfrm>
         </p:spPr>
       </p:pic>
     </p:spTree>
@@ -4453,7 +4545,7 @@
       </p:grpSpPr>
       <p:sp>
         <p:nvSpPr>
-          <p:cNvPr id="2" name="1 Título"/>
+          <p:cNvPr id="5" name="4 Título"/>
           <p:cNvSpPr>
             <a:spLocks noGrp="1"/>
           </p:cNvSpPr>
@@ -4463,7 +4555,9 @@
         </p:nvSpPr>
         <p:spPr/>
         <p:txBody>
-          <a:bodyPr/>
+          <a:bodyPr>
+            <a:normAutofit/>
+          </a:bodyPr>
           <a:lstStyle/>
           <a:p>
             <a:r>
@@ -4471,278 +4565,33 @@
                 <a:latin typeface="Cambria" pitchFamily="18" charset="0"/>
                 <a:ea typeface="Cambria" pitchFamily="18" charset="0"/>
               </a:rPr>
-              <a:t>Pagina web. </a:t>
-            </a:r>
-            <a:r>
-              <a:rPr lang="es-ES" dirty="0" smtClean="0">
-                <a:latin typeface="Cambria" pitchFamily="18" charset="0"/>
-                <a:ea typeface="Cambria" pitchFamily="18" charset="0"/>
-              </a:rPr>
-              <a:t>Actividades</a:t>
-            </a:r>
-            <a:endParaRPr lang="es-ES" dirty="0">
-              <a:latin typeface="Cambria" pitchFamily="18" charset="0"/>
-              <a:ea typeface="Cambria" pitchFamily="18" charset="0"/>
-            </a:endParaRPr>
+              <a:t>Diagrama de red</a:t>
+            </a:r>
+            <a:endParaRPr lang="es-ES" dirty="0"/>
           </a:p>
         </p:txBody>
       </p:sp>
       <p:pic>
         <p:nvPicPr>
-          <p:cNvPr id="6146" name="Picture 2"/>
+          <p:cNvPr id="7" name="6 Marcador de contenido" descr="Diagrama de red Si (1).jpg"/>
           <p:cNvPicPr>
-            <a:picLocks noGrp="1" noChangeAspect="1" noChangeArrowheads="1"/>
+            <a:picLocks noGrp="1" noChangeAspect="1"/>
           </p:cNvPicPr>
           <p:nvPr>
             <p:ph sz="quarter" idx="1"/>
           </p:nvPr>
         </p:nvPicPr>
         <p:blipFill>
-          <a:blip r:embed="rId2"/>
-          <a:srcRect l="2404" t="7748" b="7024"/>
+          <a:blip r:embed="rId2" cstate="print"/>
           <a:stretch>
             <a:fillRect/>
           </a:stretch>
         </p:blipFill>
-        <p:spPr bwMode="auto">
-          <a:xfrm>
-            <a:off x="2500298" y="1928802"/>
-            <a:ext cx="4000528" cy="1083895"/>
-          </a:xfrm>
-          <a:prstGeom prst="rect">
-            <a:avLst/>
-          </a:prstGeom>
-          <a:noFill/>
-          <a:ln w="9525">
-            <a:noFill/>
-            <a:miter lim="800000"/>
-            <a:headEnd/>
-            <a:tailEnd/>
-          </a:ln>
-          <a:effectLst/>
-        </p:spPr>
-      </p:pic>
-      <p:pic>
-        <p:nvPicPr>
-          <p:cNvPr id="6147" name="Picture 3"/>
-          <p:cNvPicPr>
-            <a:picLocks noChangeAspect="1" noChangeArrowheads="1"/>
-          </p:cNvPicPr>
-          <p:nvPr/>
-        </p:nvPicPr>
-        <p:blipFill>
-          <a:blip r:embed="rId3"/>
-          <a:srcRect/>
-          <a:stretch>
-            <a:fillRect/>
-          </a:stretch>
-        </p:blipFill>
-        <p:spPr bwMode="auto">
-          <a:xfrm>
-            <a:off x="2714612" y="3286124"/>
-            <a:ext cx="3597936" cy="1214446"/>
-          </a:xfrm>
-          <a:prstGeom prst="rect">
-            <a:avLst/>
-          </a:prstGeom>
-          <a:noFill/>
-          <a:ln w="9525">
-            <a:noFill/>
-            <a:miter lim="800000"/>
-            <a:headEnd/>
-            <a:tailEnd/>
-          </a:ln>
-          <a:effectLst/>
-        </p:spPr>
-      </p:pic>
-    </p:spTree>
-  </p:cSld>
-  <p:clrMapOvr>
-    <a:masterClrMapping/>
-  </p:clrMapOvr>
-</p:sld>
-</file>
-
-<file path=ppt/slides/slide18.xml><?xml version="1.0" encoding="utf-8"?>
-<p:sld xmlns:a="http://schemas.openxmlformats.org/drawingml/2006/main" xmlns:r="http://schemas.openxmlformats.org/officeDocument/2006/relationships" xmlns:p="http://schemas.openxmlformats.org/presentationml/2006/main">
-  <p:cSld>
-    <p:spTree>
-      <p:nvGrpSpPr>
-        <p:cNvPr id="1" name=""/>
-        <p:cNvGrpSpPr/>
-        <p:nvPr/>
-      </p:nvGrpSpPr>
-      <p:grpSpPr>
-        <a:xfrm>
-          <a:off x="0" y="0"/>
-          <a:ext cx="0" cy="0"/>
-          <a:chOff x="0" y="0"/>
-          <a:chExt cx="0" cy="0"/>
-        </a:xfrm>
-      </p:grpSpPr>
-      <p:sp>
-        <p:nvSpPr>
-          <p:cNvPr id="2" name="1 Título"/>
-          <p:cNvSpPr>
-            <a:spLocks noGrp="1"/>
-          </p:cNvSpPr>
-          <p:nvPr>
-            <p:ph type="title"/>
-          </p:nvPr>
-        </p:nvSpPr>
-        <p:spPr>
-          <a:xfrm>
-            <a:off x="928662" y="500042"/>
-            <a:ext cx="7772400" cy="703282"/>
-          </a:xfrm>
-        </p:spPr>
-        <p:txBody>
-          <a:bodyPr>
-            <a:normAutofit fontScale="90000"/>
-          </a:bodyPr>
-          <a:lstStyle/>
-          <a:p>
-            <a:r>
-              <a:rPr lang="es-ES" dirty="0" smtClean="0">
-                <a:latin typeface="Cambria" pitchFamily="18" charset="0"/>
-                <a:ea typeface="Cambria" pitchFamily="18" charset="0"/>
-              </a:rPr>
-              <a:t>Pagina web. Actividades</a:t>
-            </a:r>
-            <a:endParaRPr lang="es-ES" dirty="0">
-              <a:latin typeface="Cambria" pitchFamily="18" charset="0"/>
-              <a:ea typeface="Cambria" pitchFamily="18" charset="0"/>
-            </a:endParaRPr>
-          </a:p>
-        </p:txBody>
-      </p:sp>
-      <p:pic>
-        <p:nvPicPr>
-          <p:cNvPr id="7173" name="Picture 5"/>
-          <p:cNvPicPr>
-            <a:picLocks noGrp="1" noChangeAspect="1" noChangeArrowheads="1"/>
-          </p:cNvPicPr>
-          <p:nvPr>
-            <p:ph sz="quarter" idx="1"/>
-          </p:nvPr>
-        </p:nvPicPr>
-        <p:blipFill>
-          <a:blip r:embed="rId2"/>
-          <a:srcRect/>
-          <a:stretch>
-            <a:fillRect/>
-          </a:stretch>
-        </p:blipFill>
-        <p:spPr bwMode="auto">
-          <a:xfrm>
-            <a:off x="1928794" y="1214422"/>
-            <a:ext cx="5281461" cy="5429288"/>
-          </a:xfrm>
-          <a:prstGeom prst="rect">
-            <a:avLst/>
-          </a:prstGeom>
-          <a:noFill/>
-          <a:ln w="9525">
-            <a:noFill/>
-            <a:miter lim="800000"/>
-            <a:headEnd/>
-            <a:tailEnd/>
-          </a:ln>
-          <a:effectLst/>
-        </p:spPr>
-      </p:pic>
-    </p:spTree>
-  </p:cSld>
-  <p:clrMapOvr>
-    <a:masterClrMapping/>
-  </p:clrMapOvr>
-</p:sld>
-</file>
-
-<file path=ppt/slides/slide19.xml><?xml version="1.0" encoding="utf-8"?>
-<p:sld xmlns:a="http://schemas.openxmlformats.org/drawingml/2006/main" xmlns:r="http://schemas.openxmlformats.org/officeDocument/2006/relationships" xmlns:p="http://schemas.openxmlformats.org/presentationml/2006/main">
-  <p:cSld>
-    <p:spTree>
-      <p:nvGrpSpPr>
-        <p:cNvPr id="1" name=""/>
-        <p:cNvGrpSpPr/>
-        <p:nvPr/>
-      </p:nvGrpSpPr>
-      <p:grpSpPr>
-        <a:xfrm>
-          <a:off x="0" y="0"/>
-          <a:ext cx="0" cy="0"/>
-          <a:chOff x="0" y="0"/>
-          <a:chExt cx="0" cy="0"/>
-        </a:xfrm>
-      </p:grpSpPr>
-      <p:sp>
-        <p:nvSpPr>
-          <p:cNvPr id="2" name="1 Título"/>
-          <p:cNvSpPr>
-            <a:spLocks noGrp="1"/>
-          </p:cNvSpPr>
-          <p:nvPr>
-            <p:ph type="title"/>
-          </p:nvPr>
-        </p:nvSpPr>
-        <p:spPr>
-          <a:xfrm>
-            <a:off x="928662" y="357166"/>
-            <a:ext cx="7772400" cy="917596"/>
-          </a:xfrm>
-        </p:spPr>
-        <p:txBody>
-          <a:bodyPr/>
-          <a:lstStyle/>
-          <a:p>
-            <a:r>
-              <a:rPr lang="es-ES" dirty="0" smtClean="0">
-                <a:latin typeface="Cambria" pitchFamily="18" charset="0"/>
-                <a:ea typeface="Cambria" pitchFamily="18" charset="0"/>
-              </a:rPr>
-              <a:t>Pagina web. Actividades</a:t>
-            </a:r>
-            <a:endParaRPr lang="es-ES" dirty="0">
-              <a:latin typeface="Cambria" pitchFamily="18" charset="0"/>
-              <a:ea typeface="Cambria" pitchFamily="18" charset="0"/>
-            </a:endParaRPr>
-          </a:p>
-        </p:txBody>
-      </p:sp>
-      <p:pic>
-        <p:nvPicPr>
-          <p:cNvPr id="8194" name="Picture 2"/>
-          <p:cNvPicPr>
-            <a:picLocks noGrp="1" noChangeAspect="1" noChangeArrowheads="1"/>
-          </p:cNvPicPr>
-          <p:nvPr>
-            <p:ph sz="quarter" idx="1"/>
-          </p:nvPr>
-        </p:nvPicPr>
-        <p:blipFill>
-          <a:blip r:embed="rId2"/>
-          <a:srcRect/>
-          <a:stretch>
-            <a:fillRect/>
-          </a:stretch>
-        </p:blipFill>
-        <p:spPr bwMode="auto">
-          <a:xfrm>
-            <a:off x="2285984" y="1285860"/>
-            <a:ext cx="4744996" cy="5286412"/>
-          </a:xfrm>
-          <a:prstGeom prst="rect">
-            <a:avLst/>
-          </a:prstGeom>
-          <a:noFill/>
-          <a:ln w="9525">
-            <a:noFill/>
-            <a:miter lim="800000"/>
-            <a:headEnd/>
-            <a:tailEnd/>
-          </a:ln>
-          <a:effectLst/>
+        <p:spPr>
+          <a:xfrm>
+            <a:off x="1907704" y="1412776"/>
+            <a:ext cx="5544616" cy="5187342"/>
+          </a:xfrm>
         </p:spPr>
       </p:pic>
     </p:spTree>
@@ -4841,7 +4690,7 @@
           </p:nvPr>
         </p:nvPicPr>
         <p:blipFill>
-          <a:blip r:embed="rId2"/>
+          <a:blip r:embed="rId2" cstate="print"/>
           <a:srcRect t="11811" b="11811"/>
           <a:stretch>
             <a:fillRect/>
@@ -4858,682 +4707,6 @@
               <a:gd name="adj2" fmla="val 0"/>
             </a:avLst>
           </a:prstGeom>
-        </p:spPr>
-      </p:pic>
-    </p:spTree>
-  </p:cSld>
-  <p:clrMapOvr>
-    <a:masterClrMapping/>
-  </p:clrMapOvr>
-</p:sld>
-</file>
-
-<file path=ppt/slides/slide20.xml><?xml version="1.0" encoding="utf-8"?>
-<p:sld xmlns:a="http://schemas.openxmlformats.org/drawingml/2006/main" xmlns:r="http://schemas.openxmlformats.org/officeDocument/2006/relationships" xmlns:p="http://schemas.openxmlformats.org/presentationml/2006/main">
-  <p:cSld>
-    <p:spTree>
-      <p:nvGrpSpPr>
-        <p:cNvPr id="1" name=""/>
-        <p:cNvGrpSpPr/>
-        <p:nvPr/>
-      </p:nvGrpSpPr>
-      <p:grpSpPr>
-        <a:xfrm>
-          <a:off x="0" y="0"/>
-          <a:ext cx="0" cy="0"/>
-          <a:chOff x="0" y="0"/>
-          <a:chExt cx="0" cy="0"/>
-        </a:xfrm>
-      </p:grpSpPr>
-      <p:sp>
-        <p:nvSpPr>
-          <p:cNvPr id="2" name="1 Título"/>
-          <p:cNvSpPr>
-            <a:spLocks noGrp="1"/>
-          </p:cNvSpPr>
-          <p:nvPr>
-            <p:ph type="title"/>
-          </p:nvPr>
-        </p:nvSpPr>
-        <p:spPr/>
-        <p:txBody>
-          <a:bodyPr/>
-          <a:lstStyle/>
-          <a:p>
-            <a:r>
-              <a:rPr lang="es-ES" dirty="0" smtClean="0">
-                <a:latin typeface="Cambria" pitchFamily="18" charset="0"/>
-                <a:ea typeface="Cambria" pitchFamily="18" charset="0"/>
-              </a:rPr>
-              <a:t>Pagina web. Sobre Nosotros</a:t>
-            </a:r>
-            <a:endParaRPr lang="es-ES" dirty="0">
-              <a:latin typeface="Cambria" pitchFamily="18" charset="0"/>
-              <a:ea typeface="Cambria" pitchFamily="18" charset="0"/>
-            </a:endParaRPr>
-          </a:p>
-        </p:txBody>
-      </p:sp>
-      <p:pic>
-        <p:nvPicPr>
-          <p:cNvPr id="12290" name="Picture 2"/>
-          <p:cNvPicPr>
-            <a:picLocks noGrp="1" noChangeAspect="1" noChangeArrowheads="1"/>
-          </p:cNvPicPr>
-          <p:nvPr>
-            <p:ph sz="quarter" idx="1"/>
-          </p:nvPr>
-        </p:nvPicPr>
-        <p:blipFill>
-          <a:blip r:embed="rId2"/>
-          <a:srcRect/>
-          <a:stretch>
-            <a:fillRect/>
-          </a:stretch>
-        </p:blipFill>
-        <p:spPr bwMode="auto">
-          <a:xfrm>
-            <a:off x="2357422" y="1785926"/>
-            <a:ext cx="4143404" cy="1251181"/>
-          </a:xfrm>
-          <a:prstGeom prst="rect">
-            <a:avLst/>
-          </a:prstGeom>
-          <a:noFill/>
-          <a:ln w="9525">
-            <a:noFill/>
-            <a:miter lim="800000"/>
-            <a:headEnd/>
-            <a:tailEnd/>
-          </a:ln>
-          <a:effectLst/>
-        </p:spPr>
-      </p:pic>
-      <p:pic>
-        <p:nvPicPr>
-          <p:cNvPr id="12291" name="Picture 3"/>
-          <p:cNvPicPr>
-            <a:picLocks noChangeAspect="1" noChangeArrowheads="1"/>
-          </p:cNvPicPr>
-          <p:nvPr/>
-        </p:nvPicPr>
-        <p:blipFill>
-          <a:blip r:embed="rId3"/>
-          <a:srcRect/>
-          <a:stretch>
-            <a:fillRect/>
-          </a:stretch>
-        </p:blipFill>
-        <p:spPr bwMode="auto">
-          <a:xfrm>
-            <a:off x="2357422" y="3143248"/>
-            <a:ext cx="4143404" cy="1466989"/>
-          </a:xfrm>
-          <a:prstGeom prst="rect">
-            <a:avLst/>
-          </a:prstGeom>
-          <a:noFill/>
-          <a:ln w="9525">
-            <a:noFill/>
-            <a:miter lim="800000"/>
-            <a:headEnd/>
-            <a:tailEnd/>
-          </a:ln>
-          <a:effectLst/>
-        </p:spPr>
-      </p:pic>
-    </p:spTree>
-  </p:cSld>
-  <p:clrMapOvr>
-    <a:masterClrMapping/>
-  </p:clrMapOvr>
-</p:sld>
-</file>
-
-<file path=ppt/slides/slide21.xml><?xml version="1.0" encoding="utf-8"?>
-<p:sld xmlns:a="http://schemas.openxmlformats.org/drawingml/2006/main" xmlns:r="http://schemas.openxmlformats.org/officeDocument/2006/relationships" xmlns:p="http://schemas.openxmlformats.org/presentationml/2006/main">
-  <p:cSld>
-    <p:spTree>
-      <p:nvGrpSpPr>
-        <p:cNvPr id="1" name=""/>
-        <p:cNvGrpSpPr/>
-        <p:nvPr/>
-      </p:nvGrpSpPr>
-      <p:grpSpPr>
-        <a:xfrm>
-          <a:off x="0" y="0"/>
-          <a:ext cx="0" cy="0"/>
-          <a:chOff x="0" y="0"/>
-          <a:chExt cx="0" cy="0"/>
-        </a:xfrm>
-      </p:grpSpPr>
-      <p:sp>
-        <p:nvSpPr>
-          <p:cNvPr id="2" name="1 Título"/>
-          <p:cNvSpPr>
-            <a:spLocks noGrp="1"/>
-          </p:cNvSpPr>
-          <p:nvPr>
-            <p:ph type="title"/>
-          </p:nvPr>
-        </p:nvSpPr>
-        <p:spPr/>
-        <p:txBody>
-          <a:bodyPr/>
-          <a:lstStyle/>
-          <a:p>
-            <a:r>
-              <a:rPr lang="es-ES" dirty="0" smtClean="0">
-                <a:latin typeface="Cambria" pitchFamily="18" charset="0"/>
-                <a:ea typeface="Cambria" pitchFamily="18" charset="0"/>
-              </a:rPr>
-              <a:t>Pagina web. Sobre Nosotros</a:t>
-            </a:r>
-            <a:endParaRPr lang="es-ES" dirty="0">
-              <a:latin typeface="Cambria" pitchFamily="18" charset="0"/>
-              <a:ea typeface="Cambria" pitchFamily="18" charset="0"/>
-            </a:endParaRPr>
-          </a:p>
-        </p:txBody>
-      </p:sp>
-      <p:pic>
-        <p:nvPicPr>
-          <p:cNvPr id="9218" name="Picture 2"/>
-          <p:cNvPicPr>
-            <a:picLocks noGrp="1" noChangeAspect="1" noChangeArrowheads="1"/>
-          </p:cNvPicPr>
-          <p:nvPr>
-            <p:ph sz="quarter" idx="1"/>
-          </p:nvPr>
-        </p:nvPicPr>
-        <p:blipFill>
-          <a:blip r:embed="rId2"/>
-          <a:srcRect/>
-          <a:stretch>
-            <a:fillRect/>
-          </a:stretch>
-        </p:blipFill>
-        <p:spPr bwMode="auto">
-          <a:xfrm>
-            <a:off x="1714480" y="1500174"/>
-            <a:ext cx="5985405" cy="5000660"/>
-          </a:xfrm>
-          <a:prstGeom prst="rect">
-            <a:avLst/>
-          </a:prstGeom>
-          <a:noFill/>
-          <a:ln w="9525">
-            <a:noFill/>
-            <a:miter lim="800000"/>
-            <a:headEnd/>
-            <a:tailEnd/>
-          </a:ln>
-          <a:effectLst/>
-        </p:spPr>
-      </p:pic>
-    </p:spTree>
-  </p:cSld>
-  <p:clrMapOvr>
-    <a:masterClrMapping/>
-  </p:clrMapOvr>
-</p:sld>
-</file>
-
-<file path=ppt/slides/slide22.xml><?xml version="1.0" encoding="utf-8"?>
-<p:sld xmlns:a="http://schemas.openxmlformats.org/drawingml/2006/main" xmlns:r="http://schemas.openxmlformats.org/officeDocument/2006/relationships" xmlns:p="http://schemas.openxmlformats.org/presentationml/2006/main">
-  <p:cSld>
-    <p:spTree>
-      <p:nvGrpSpPr>
-        <p:cNvPr id="1" name=""/>
-        <p:cNvGrpSpPr/>
-        <p:nvPr/>
-      </p:nvGrpSpPr>
-      <p:grpSpPr>
-        <a:xfrm>
-          <a:off x="0" y="0"/>
-          <a:ext cx="0" cy="0"/>
-          <a:chOff x="0" y="0"/>
-          <a:chExt cx="0" cy="0"/>
-        </a:xfrm>
-      </p:grpSpPr>
-      <p:sp>
-        <p:nvSpPr>
-          <p:cNvPr id="2" name="1 Título"/>
-          <p:cNvSpPr>
-            <a:spLocks noGrp="1"/>
-          </p:cNvSpPr>
-          <p:nvPr>
-            <p:ph type="title"/>
-          </p:nvPr>
-        </p:nvSpPr>
-        <p:spPr/>
-        <p:txBody>
-          <a:bodyPr/>
-          <a:lstStyle/>
-          <a:p>
-            <a:r>
-              <a:rPr lang="es-ES" dirty="0" smtClean="0">
-                <a:latin typeface="Cambria" pitchFamily="18" charset="0"/>
-                <a:ea typeface="Cambria" pitchFamily="18" charset="0"/>
-              </a:rPr>
-              <a:t>Pagina web. Sobre Nosotros</a:t>
-            </a:r>
-            <a:endParaRPr lang="es-ES" dirty="0">
-              <a:latin typeface="Cambria" pitchFamily="18" charset="0"/>
-              <a:ea typeface="Cambria" pitchFamily="18" charset="0"/>
-            </a:endParaRPr>
-          </a:p>
-        </p:txBody>
-      </p:sp>
-      <p:pic>
-        <p:nvPicPr>
-          <p:cNvPr id="10242" name="Picture 2"/>
-          <p:cNvPicPr>
-            <a:picLocks noGrp="1" noChangeAspect="1" noChangeArrowheads="1"/>
-          </p:cNvPicPr>
-          <p:nvPr>
-            <p:ph sz="quarter" idx="1"/>
-          </p:nvPr>
-        </p:nvPicPr>
-        <p:blipFill>
-          <a:blip r:embed="rId2"/>
-          <a:srcRect/>
-          <a:stretch>
-            <a:fillRect/>
-          </a:stretch>
-        </p:blipFill>
-        <p:spPr bwMode="auto">
-          <a:xfrm>
-            <a:off x="2071670" y="1428735"/>
-            <a:ext cx="5214974" cy="5154955"/>
-          </a:xfrm>
-          <a:prstGeom prst="rect">
-            <a:avLst/>
-          </a:prstGeom>
-          <a:noFill/>
-          <a:ln w="9525">
-            <a:noFill/>
-            <a:miter lim="800000"/>
-            <a:headEnd/>
-            <a:tailEnd/>
-          </a:ln>
-          <a:effectLst/>
-        </p:spPr>
-      </p:pic>
-    </p:spTree>
-  </p:cSld>
-  <p:clrMapOvr>
-    <a:masterClrMapping/>
-  </p:clrMapOvr>
-</p:sld>
-</file>
-
-<file path=ppt/slides/slide23.xml><?xml version="1.0" encoding="utf-8"?>
-<p:sld xmlns:a="http://schemas.openxmlformats.org/drawingml/2006/main" xmlns:r="http://schemas.openxmlformats.org/officeDocument/2006/relationships" xmlns:p="http://schemas.openxmlformats.org/presentationml/2006/main">
-  <p:cSld>
-    <p:spTree>
-      <p:nvGrpSpPr>
-        <p:cNvPr id="1" name=""/>
-        <p:cNvGrpSpPr/>
-        <p:nvPr/>
-      </p:nvGrpSpPr>
-      <p:grpSpPr>
-        <a:xfrm>
-          <a:off x="0" y="0"/>
-          <a:ext cx="0" cy="0"/>
-          <a:chOff x="0" y="0"/>
-          <a:chExt cx="0" cy="0"/>
-        </a:xfrm>
-      </p:grpSpPr>
-      <p:sp>
-        <p:nvSpPr>
-          <p:cNvPr id="2" name="1 Título"/>
-          <p:cNvSpPr>
-            <a:spLocks noGrp="1"/>
-          </p:cNvSpPr>
-          <p:nvPr>
-            <p:ph type="title"/>
-          </p:nvPr>
-        </p:nvSpPr>
-        <p:spPr/>
-        <p:txBody>
-          <a:bodyPr/>
-          <a:lstStyle/>
-          <a:p>
-            <a:r>
-              <a:rPr lang="es-ES" dirty="0" smtClean="0">
-                <a:latin typeface="Cambria" pitchFamily="18" charset="0"/>
-                <a:ea typeface="Cambria" pitchFamily="18" charset="0"/>
-              </a:rPr>
-              <a:t>Pagina web. Galería</a:t>
-            </a:r>
-            <a:endParaRPr lang="es-ES" dirty="0">
-              <a:latin typeface="Cambria" pitchFamily="18" charset="0"/>
-              <a:ea typeface="Cambria" pitchFamily="18" charset="0"/>
-            </a:endParaRPr>
-          </a:p>
-        </p:txBody>
-      </p:sp>
-      <p:pic>
-        <p:nvPicPr>
-          <p:cNvPr id="11266" name="Picture 2"/>
-          <p:cNvPicPr>
-            <a:picLocks noGrp="1" noChangeAspect="1" noChangeArrowheads="1"/>
-          </p:cNvPicPr>
-          <p:nvPr>
-            <p:ph sz="quarter" idx="1"/>
-          </p:nvPr>
-        </p:nvPicPr>
-        <p:blipFill>
-          <a:blip r:embed="rId2"/>
-          <a:srcRect/>
-          <a:stretch>
-            <a:fillRect/>
-          </a:stretch>
-        </p:blipFill>
-        <p:spPr bwMode="auto">
-          <a:xfrm>
-            <a:off x="500034" y="1643050"/>
-            <a:ext cx="8358246" cy="3820912"/>
-          </a:xfrm>
-          <a:prstGeom prst="rect">
-            <a:avLst/>
-          </a:prstGeom>
-          <a:noFill/>
-          <a:ln w="9525">
-            <a:noFill/>
-            <a:miter lim="800000"/>
-            <a:headEnd/>
-            <a:tailEnd/>
-          </a:ln>
-          <a:effectLst/>
-        </p:spPr>
-      </p:pic>
-    </p:spTree>
-  </p:cSld>
-  <p:clrMapOvr>
-    <a:masterClrMapping/>
-  </p:clrMapOvr>
-</p:sld>
-</file>
-
-<file path=ppt/slides/slide24.xml><?xml version="1.0" encoding="utf-8"?>
-<p:sld xmlns:a="http://schemas.openxmlformats.org/drawingml/2006/main" xmlns:r="http://schemas.openxmlformats.org/officeDocument/2006/relationships" xmlns:p="http://schemas.openxmlformats.org/presentationml/2006/main">
-  <p:cSld>
-    <p:spTree>
-      <p:nvGrpSpPr>
-        <p:cNvPr id="1" name=""/>
-        <p:cNvGrpSpPr/>
-        <p:nvPr/>
-      </p:nvGrpSpPr>
-      <p:grpSpPr>
-        <a:xfrm>
-          <a:off x="0" y="0"/>
-          <a:ext cx="0" cy="0"/>
-          <a:chOff x="0" y="0"/>
-          <a:chExt cx="0" cy="0"/>
-        </a:xfrm>
-      </p:grpSpPr>
-      <p:sp>
-        <p:nvSpPr>
-          <p:cNvPr id="4" name="3 Título"/>
-          <p:cNvSpPr>
-            <a:spLocks noGrp="1"/>
-          </p:cNvSpPr>
-          <p:nvPr>
-            <p:ph type="title"/>
-          </p:nvPr>
-        </p:nvSpPr>
-        <p:spPr/>
-        <p:txBody>
-          <a:bodyPr/>
-          <a:lstStyle/>
-          <a:p>
-            <a:pPr algn="ctr"/>
-            <a:r>
-              <a:rPr lang="es-ES" b="1" dirty="0" smtClean="0">
-                <a:latin typeface="Cambria" pitchFamily="18" charset="0"/>
-                <a:ea typeface="Cambria" pitchFamily="18" charset="0"/>
-              </a:rPr>
-              <a:t>PROGRAMA</a:t>
-            </a:r>
-            <a:endParaRPr lang="es-ES" b="1" dirty="0">
-              <a:latin typeface="Cambria" pitchFamily="18" charset="0"/>
-              <a:ea typeface="Cambria" pitchFamily="18" charset="0"/>
-            </a:endParaRPr>
-          </a:p>
-        </p:txBody>
-      </p:sp>
-      <p:sp>
-        <p:nvSpPr>
-          <p:cNvPr id="6" name="5 Marcador de texto"/>
-          <p:cNvSpPr>
-            <a:spLocks noGrp="1"/>
-          </p:cNvSpPr>
-          <p:nvPr>
-            <p:ph type="body" sz="half" idx="2"/>
-          </p:nvPr>
-        </p:nvSpPr>
-        <p:spPr/>
-        <p:txBody>
-          <a:bodyPr/>
-          <a:lstStyle/>
-          <a:p>
-            <a:endParaRPr lang="es-ES" dirty="0"/>
-          </a:p>
-        </p:txBody>
-      </p:sp>
-      <p:pic>
-        <p:nvPicPr>
-          <p:cNvPr id="9" name="8 Marcador de posición de imagen" descr="1366_2000.jpeg"/>
-          <p:cNvPicPr>
-            <a:picLocks noGrp="1" noChangeAspect="1"/>
-          </p:cNvPicPr>
-          <p:nvPr>
-            <p:ph type="pic" idx="1"/>
-          </p:nvPr>
-        </p:nvPicPr>
-        <p:blipFill>
-          <a:blip r:embed="rId2"/>
-          <a:srcRect t="549" b="549"/>
-          <a:stretch>
-            <a:fillRect/>
-          </a:stretch>
-        </p:blipFill>
-        <p:spPr>
-          <a:xfrm>
-            <a:off x="68308" y="66675"/>
-            <a:ext cx="9001873" cy="4719647"/>
-          </a:xfrm>
-        </p:spPr>
-      </p:pic>
-    </p:spTree>
-  </p:cSld>
-  <p:clrMapOvr>
-    <a:masterClrMapping/>
-  </p:clrMapOvr>
-</p:sld>
-</file>
-
-<file path=ppt/slides/slide25.xml><?xml version="1.0" encoding="utf-8"?>
-<p:sld xmlns:a="http://schemas.openxmlformats.org/drawingml/2006/main" xmlns:r="http://schemas.openxmlformats.org/officeDocument/2006/relationships" xmlns:p="http://schemas.openxmlformats.org/presentationml/2006/main">
-  <p:cSld>
-    <p:spTree>
-      <p:nvGrpSpPr>
-        <p:cNvPr id="1" name=""/>
-        <p:cNvGrpSpPr/>
-        <p:nvPr/>
-      </p:nvGrpSpPr>
-      <p:grpSpPr>
-        <a:xfrm>
-          <a:off x="0" y="0"/>
-          <a:ext cx="0" cy="0"/>
-          <a:chOff x="0" y="0"/>
-          <a:chExt cx="0" cy="0"/>
-        </a:xfrm>
-      </p:grpSpPr>
-      <p:sp>
-        <p:nvSpPr>
-          <p:cNvPr id="2" name="1 Título"/>
-          <p:cNvSpPr>
-            <a:spLocks noGrp="1"/>
-          </p:cNvSpPr>
-          <p:nvPr>
-            <p:ph type="title"/>
-          </p:nvPr>
-        </p:nvSpPr>
-        <p:spPr/>
-        <p:txBody>
-          <a:bodyPr/>
-          <a:lstStyle/>
-          <a:p>
-            <a:pPr algn="ctr"/>
-            <a:r>
-              <a:rPr lang="es-ES" b="1" dirty="0" smtClean="0">
-                <a:latin typeface="Cambria" pitchFamily="18" charset="0"/>
-                <a:ea typeface="Cambria" pitchFamily="18" charset="0"/>
-              </a:rPr>
-              <a:t>SERVIDORES</a:t>
-            </a:r>
-            <a:endParaRPr lang="es-ES" b="1" dirty="0">
-              <a:latin typeface="Cambria" pitchFamily="18" charset="0"/>
-              <a:ea typeface="Cambria" pitchFamily="18" charset="0"/>
-            </a:endParaRPr>
-          </a:p>
-        </p:txBody>
-      </p:sp>
-      <p:sp>
-        <p:nvSpPr>
-          <p:cNvPr id="3" name="2 Marcador de texto"/>
-          <p:cNvSpPr>
-            <a:spLocks noGrp="1"/>
-          </p:cNvSpPr>
-          <p:nvPr>
-            <p:ph type="body" sz="half" idx="2"/>
-          </p:nvPr>
-        </p:nvSpPr>
-        <p:spPr/>
-        <p:txBody>
-          <a:bodyPr/>
-          <a:lstStyle/>
-          <a:p>
-            <a:endParaRPr lang="es-ES"/>
-          </a:p>
-        </p:txBody>
-      </p:sp>
-      <p:pic>
-        <p:nvPicPr>
-          <p:cNvPr id="7" name="6 Marcador de posición de imagen" descr="Screenshot 2024-05-17 at 10-03-17 virtualbox-maquina-virtual-optimized.webp (Imagen AVIF 1280 × 720 píxeles) - Escalado (98 %).png"/>
-          <p:cNvPicPr>
-            <a:picLocks noGrp="1" noChangeAspect="1"/>
-          </p:cNvPicPr>
-          <p:nvPr>
-            <p:ph type="pic" idx="1"/>
-          </p:nvPr>
-        </p:nvPicPr>
-        <p:blipFill>
-          <a:blip r:embed="rId2"/>
-          <a:srcRect t="4753" b="4753"/>
-          <a:stretch>
-            <a:fillRect/>
-          </a:stretch>
-        </p:blipFill>
-        <p:spPr>
-          <a:xfrm>
-            <a:off x="68308" y="66675"/>
-            <a:ext cx="9001873" cy="4719647"/>
-          </a:xfrm>
-        </p:spPr>
-      </p:pic>
-    </p:spTree>
-  </p:cSld>
-  <p:clrMapOvr>
-    <a:masterClrMapping/>
-  </p:clrMapOvr>
-</p:sld>
-</file>
-
-<file path=ppt/slides/slide26.xml><?xml version="1.0" encoding="utf-8"?>
-<p:sld xmlns:a="http://schemas.openxmlformats.org/drawingml/2006/main" xmlns:r="http://schemas.openxmlformats.org/officeDocument/2006/relationships" xmlns:p="http://schemas.openxmlformats.org/presentationml/2006/main">
-  <p:cSld>
-    <p:spTree>
-      <p:nvGrpSpPr>
-        <p:cNvPr id="1" name=""/>
-        <p:cNvGrpSpPr/>
-        <p:nvPr/>
-      </p:nvGrpSpPr>
-      <p:grpSpPr>
-        <a:xfrm>
-          <a:off x="0" y="0"/>
-          <a:ext cx="0" cy="0"/>
-          <a:chOff x="0" y="0"/>
-          <a:chExt cx="0" cy="0"/>
-        </a:xfrm>
-      </p:grpSpPr>
-      <p:sp>
-        <p:nvSpPr>
-          <p:cNvPr id="7" name="6 Título"/>
-          <p:cNvSpPr>
-            <a:spLocks noGrp="1"/>
-          </p:cNvSpPr>
-          <p:nvPr>
-            <p:ph type="title"/>
-          </p:nvPr>
-        </p:nvSpPr>
-        <p:spPr/>
-        <p:txBody>
-          <a:bodyPr>
-            <a:normAutofit fontScale="90000"/>
-          </a:bodyPr>
-          <a:lstStyle/>
-          <a:p>
-            <a:r>
-              <a:rPr lang="es-ES" dirty="0" smtClean="0">
-                <a:latin typeface="Cambria" pitchFamily="18" charset="0"/>
-                <a:ea typeface="Cambria" pitchFamily="18" charset="0"/>
-              </a:rPr>
-              <a:t>Servidores. Sistema operativo utilizado</a:t>
-            </a:r>
-            <a:endParaRPr lang="es-ES" dirty="0">
-              <a:latin typeface="Cambria" pitchFamily="18" charset="0"/>
-              <a:ea typeface="Cambria" pitchFamily="18" charset="0"/>
-            </a:endParaRPr>
-          </a:p>
-        </p:txBody>
-      </p:sp>
-      <p:pic>
-        <p:nvPicPr>
-          <p:cNvPr id="13314" name="Picture 2"/>
-          <p:cNvPicPr>
-            <a:picLocks noGrp="1" noChangeAspect="1" noChangeArrowheads="1"/>
-          </p:cNvPicPr>
-          <p:nvPr>
-            <p:ph sz="quarter" idx="1"/>
-          </p:nvPr>
-        </p:nvPicPr>
-        <p:blipFill>
-          <a:blip r:embed="rId2"/>
-          <a:srcRect/>
-          <a:stretch>
-            <a:fillRect/>
-          </a:stretch>
-        </p:blipFill>
-        <p:spPr bwMode="auto">
-          <a:xfrm>
-            <a:off x="500034" y="1714488"/>
-            <a:ext cx="8180767" cy="4000528"/>
-          </a:xfrm>
-          <a:prstGeom prst="rect">
-            <a:avLst/>
-          </a:prstGeom>
-          <a:noFill/>
-          <a:ln w="9525">
-            <a:noFill/>
-            <a:miter lim="800000"/>
-            <a:headEnd/>
-            <a:tailEnd/>
-          </a:ln>
-          <a:effectLst/>
         </p:spPr>
       </p:pic>
     </p:spTree>
@@ -5589,14 +4762,7 @@
                 <a:latin typeface="Cambria" pitchFamily="18" charset="0"/>
                 <a:ea typeface="Cambria" pitchFamily="18" charset="0"/>
               </a:rPr>
-              <a:t>BASE DE </a:t>
-            </a:r>
-            <a:r>
-              <a:rPr lang="es-ES" sz="3600" dirty="0" smtClean="0">
-                <a:latin typeface="Cambria" pitchFamily="18" charset="0"/>
-                <a:ea typeface="Cambria" pitchFamily="18" charset="0"/>
-              </a:rPr>
-              <a:t>DATOS. DIAGRAMA E/R</a:t>
+              <a:t>BASE DE DATOS. DIAGRAMA E/R</a:t>
             </a:r>
             <a:endParaRPr lang="es-ES" sz="3600" dirty="0"/>
           </a:p>
@@ -5613,7 +4779,7 @@
           </p:nvPr>
         </p:nvPicPr>
         <p:blipFill>
-          <a:blip r:embed="rId2"/>
+          <a:blip r:embed="rId2" cstate="print"/>
           <a:stretch>
             <a:fillRect/>
           </a:stretch>
@@ -5666,10 +4832,16 @@
           <a:lstStyle/>
           <a:p>
             <a:r>
-              <a:rPr lang="es-ES" dirty="0" smtClean="0"/>
+              <a:rPr lang="es-ES" dirty="0" smtClean="0">
+                <a:latin typeface="Cambria" pitchFamily="18" charset="0"/>
+                <a:ea typeface="Cambria" pitchFamily="18" charset="0"/>
+              </a:rPr>
               <a:t>Profesor - departamento</a:t>
             </a:r>
-            <a:endParaRPr lang="es-ES" dirty="0"/>
+            <a:endParaRPr lang="es-ES" dirty="0">
+              <a:latin typeface="Cambria" pitchFamily="18" charset="0"/>
+              <a:ea typeface="Cambria" pitchFamily="18" charset="0"/>
+            </a:endParaRPr>
           </a:p>
         </p:txBody>
       </p:sp>
@@ -5684,7 +4856,7 @@
           </p:nvPr>
         </p:nvPicPr>
         <p:blipFill>
-          <a:blip r:embed="rId2"/>
+          <a:blip r:embed="rId2" cstate="print"/>
           <a:stretch>
             <a:fillRect/>
           </a:stretch>
@@ -5737,10 +4909,16 @@
           <a:lstStyle/>
           <a:p>
             <a:r>
-              <a:rPr lang="es-ES" dirty="0" smtClean="0"/>
+              <a:rPr lang="es-ES" dirty="0" smtClean="0">
+                <a:latin typeface="Cambria" pitchFamily="18" charset="0"/>
+                <a:ea typeface="Cambria" pitchFamily="18" charset="0"/>
+              </a:rPr>
               <a:t>Profesor - solicitud</a:t>
             </a:r>
-            <a:endParaRPr lang="es-ES" dirty="0"/>
+            <a:endParaRPr lang="es-ES" dirty="0">
+              <a:latin typeface="Cambria" pitchFamily="18" charset="0"/>
+              <a:ea typeface="Cambria" pitchFamily="18" charset="0"/>
+            </a:endParaRPr>
           </a:p>
         </p:txBody>
       </p:sp>
@@ -5755,7 +4933,7 @@
           </p:nvPr>
         </p:nvPicPr>
         <p:blipFill>
-          <a:blip r:embed="rId2"/>
+          <a:blip r:embed="rId2" cstate="print"/>
           <a:stretch>
             <a:fillRect/>
           </a:stretch>
@@ -5808,10 +4986,29 @@
           <a:lstStyle/>
           <a:p>
             <a:r>
-              <a:rPr lang="es-ES" dirty="0" smtClean="0"/>
-              <a:t>Grupo - curso</a:t>
-            </a:r>
-            <a:endParaRPr lang="es-ES" dirty="0"/>
+              <a:rPr lang="es-ES" dirty="0" smtClean="0">
+                <a:latin typeface="Cambria" pitchFamily="18" charset="0"/>
+                <a:ea typeface="Cambria" pitchFamily="18" charset="0"/>
+              </a:rPr>
+              <a:t>Grupo - </a:t>
+            </a:r>
+            <a:r>
+              <a:rPr lang="es-ES" dirty="0" smtClean="0">
+                <a:solidFill>
+                  <a:schemeClr val="tx1"/>
+                </a:solidFill>
+                <a:latin typeface="Cambria" pitchFamily="18" charset="0"/>
+                <a:ea typeface="Cambria" pitchFamily="18" charset="0"/>
+              </a:rPr>
+              <a:t>curso</a:t>
+            </a:r>
+            <a:endParaRPr lang="es-ES" dirty="0">
+              <a:solidFill>
+                <a:schemeClr val="tx1"/>
+              </a:solidFill>
+              <a:latin typeface="Cambria" pitchFamily="18" charset="0"/>
+              <a:ea typeface="Cambria" pitchFamily="18" charset="0"/>
+            </a:endParaRPr>
           </a:p>
         </p:txBody>
       </p:sp>
@@ -5826,7 +5023,7 @@
           </p:nvPr>
         </p:nvPicPr>
         <p:blipFill>
-          <a:blip r:embed="rId2"/>
+          <a:blip r:embed="rId2" cstate="print"/>
           <a:stretch>
             <a:fillRect/>
           </a:stretch>
@@ -5879,10 +5076,16 @@
           <a:lstStyle/>
           <a:p>
             <a:r>
-              <a:rPr lang="es-ES" dirty="0" smtClean="0"/>
+              <a:rPr lang="es-ES" dirty="0" smtClean="0">
+                <a:latin typeface="Cambria" pitchFamily="18" charset="0"/>
+                <a:ea typeface="Cambria" pitchFamily="18" charset="0"/>
+              </a:rPr>
               <a:t>Curso y grupo - solicitud</a:t>
             </a:r>
-            <a:endParaRPr lang="es-ES" dirty="0"/>
+            <a:endParaRPr lang="es-ES" dirty="0">
+              <a:latin typeface="Cambria" pitchFamily="18" charset="0"/>
+              <a:ea typeface="Cambria" pitchFamily="18" charset="0"/>
+            </a:endParaRPr>
           </a:p>
         </p:txBody>
       </p:sp>
@@ -5897,7 +5100,7 @@
           </p:nvPr>
         </p:nvPicPr>
         <p:blipFill>
-          <a:blip r:embed="rId2"/>
+          <a:blip r:embed="rId2" cstate="print"/>
           <a:stretch>
             <a:fillRect/>
           </a:stretch>
@@ -5950,10 +5153,16 @@
           <a:lstStyle/>
           <a:p>
             <a:r>
-              <a:rPr lang="es-ES" dirty="0" smtClean="0"/>
+              <a:rPr lang="es-ES" dirty="0" smtClean="0">
+                <a:latin typeface="Cambria" pitchFamily="18" charset="0"/>
+                <a:ea typeface="Cambria" pitchFamily="18" charset="0"/>
+              </a:rPr>
               <a:t>Solicitud – actividad programada</a:t>
             </a:r>
-            <a:endParaRPr lang="es-ES" dirty="0"/>
+            <a:endParaRPr lang="es-ES" dirty="0">
+              <a:latin typeface="Cambria" pitchFamily="18" charset="0"/>
+              <a:ea typeface="Cambria" pitchFamily="18" charset="0"/>
+            </a:endParaRPr>
           </a:p>
         </p:txBody>
       </p:sp>
@@ -5968,7 +5177,7 @@
           </p:nvPr>
         </p:nvPicPr>
         <p:blipFill>
-          <a:blip r:embed="rId2"/>
+          <a:blip r:embed="rId2" cstate="print"/>
           <a:stretch>
             <a:fillRect/>
           </a:stretch>
@@ -6021,14 +5230,16 @@
           <a:lstStyle/>
           <a:p>
             <a:r>
-              <a:rPr lang="es-ES" dirty="0" smtClean="0"/>
-              <a:t>Actividad – </a:t>
-            </a:r>
-            <a:r>
-              <a:rPr lang="es-ES" dirty="0" err="1" smtClean="0"/>
-              <a:t>medioTransporte</a:t>
-            </a:r>
-            <a:endParaRPr lang="es-ES" dirty="0"/>
+              <a:rPr lang="es-ES" dirty="0" smtClean="0">
+                <a:latin typeface="Cambria" pitchFamily="18" charset="0"/>
+                <a:ea typeface="Cambria" pitchFamily="18" charset="0"/>
+              </a:rPr>
+              <a:t>Actividad – medioTransporte</a:t>
+            </a:r>
+            <a:endParaRPr lang="es-ES" dirty="0">
+              <a:latin typeface="Cambria" pitchFamily="18" charset="0"/>
+              <a:ea typeface="Cambria" pitchFamily="18" charset="0"/>
+            </a:endParaRPr>
           </a:p>
         </p:txBody>
       </p:sp>
@@ -6043,7 +5254,7 @@
           </p:nvPr>
         </p:nvPicPr>
         <p:blipFill>
-          <a:blip r:embed="rId2"/>
+          <a:blip r:embed="rId2" cstate="print"/>
           <a:stretch>
             <a:fillRect/>
           </a:stretch>

--- a/Presentacion Reto - Equipo 1.pptx
+++ b/Presentacion Reto - Equipo 1.pptx
@@ -20,8 +20,9 @@
     <p:sldId id="272" r:id="rId14"/>
     <p:sldId id="286" r:id="rId15"/>
     <p:sldId id="273" r:id="rId16"/>
-    <p:sldId id="274" r:id="rId17"/>
-    <p:sldId id="285" r:id="rId18"/>
+    <p:sldId id="287" r:id="rId17"/>
+    <p:sldId id="274" r:id="rId18"/>
+    <p:sldId id="285" r:id="rId19"/>
   </p:sldIdLst>
   <p:sldSz cx="9144000" cy="6858000" type="screen4x3"/>
   <p:notesSz cx="6858000" cy="9144000"/>
@@ -4442,7 +4443,7 @@
       </p:grpSpPr>
       <p:sp>
         <p:nvSpPr>
-          <p:cNvPr id="2" name="1 Título"/>
+          <p:cNvPr id="5" name="4 Título"/>
           <p:cNvSpPr>
             <a:spLocks noGrp="1"/>
           </p:cNvSpPr>
@@ -4455,66 +4456,40 @@
           <a:bodyPr/>
           <a:lstStyle/>
           <a:p>
-            <a:pPr algn="ctr"/>
-            <a:r>
-              <a:rPr lang="es-ES" b="1" dirty="0" smtClean="0">
+            <a:r>
+              <a:rPr lang="es-ES" dirty="0" smtClean="0">
                 <a:latin typeface="Cambria" pitchFamily="18" charset="0"/>
                 <a:ea typeface="Cambria" pitchFamily="18" charset="0"/>
               </a:rPr>
-              <a:t>SISTEMAS INFORMÁTICOS</a:t>
-            </a:r>
-            <a:endParaRPr lang="es-ES" b="1" dirty="0">
+              <a:t>Diagrama de casos de uso</a:t>
+            </a:r>
+            <a:endParaRPr lang="es-ES" dirty="0">
               <a:latin typeface="Cambria" pitchFamily="18" charset="0"/>
               <a:ea typeface="Cambria" pitchFamily="18" charset="0"/>
             </a:endParaRPr>
           </a:p>
         </p:txBody>
       </p:sp>
-      <p:sp>
-        <p:nvSpPr>
-          <p:cNvPr id="3" name="2 Marcador de texto"/>
-          <p:cNvSpPr>
-            <a:spLocks noGrp="1"/>
-          </p:cNvSpPr>
-          <p:nvPr>
-            <p:ph type="body" sz="half" idx="2"/>
-          </p:nvPr>
-        </p:nvSpPr>
-        <p:spPr/>
-        <p:txBody>
-          <a:bodyPr/>
-          <a:lstStyle/>
-          <a:p>
-            <a:pPr algn="ctr"/>
-            <a:r>
-              <a:rPr lang="es-ES" dirty="0" smtClean="0"/>
-              <a:t>Adrián Tresgallo</a:t>
-            </a:r>
-            <a:endParaRPr lang="es-ES" dirty="0"/>
-          </a:p>
-        </p:txBody>
-      </p:sp>
       <p:pic>
         <p:nvPicPr>
-          <p:cNvPr id="7" name="6 Marcador de posición de imagen" descr="Screenshot 2024-05-17 at 10-03-17 virtualbox-maquina-virtual-optimized.webp (Imagen AVIF 1280 × 720 píxeles) - Escalado (98 %).png"/>
+          <p:cNvPr id="7" name="6 Marcador de contenido" descr="casosDeUso.jpg"/>
           <p:cNvPicPr>
             <a:picLocks noGrp="1" noChangeAspect="1"/>
           </p:cNvPicPr>
           <p:nvPr>
-            <p:ph type="pic" idx="1"/>
+            <p:ph sz="quarter" idx="1"/>
           </p:nvPr>
         </p:nvPicPr>
         <p:blipFill>
           <a:blip r:embed="rId2" cstate="print"/>
-          <a:srcRect t="4753" b="4753"/>
           <a:stretch>
             <a:fillRect/>
           </a:stretch>
         </p:blipFill>
         <p:spPr>
           <a:xfrm>
-            <a:off x="68308" y="66675"/>
-            <a:ext cx="9001873" cy="4719647"/>
+            <a:off x="2699792" y="1412776"/>
+            <a:ext cx="4104456" cy="5275880"/>
           </a:xfrm>
         </p:spPr>
       </p:pic>
@@ -4527,6 +4502,109 @@
 </file>
 
 <file path=ppt/slides/slide17.xml><?xml version="1.0" encoding="utf-8"?>
+<p:sld xmlns:a="http://schemas.openxmlformats.org/drawingml/2006/main" xmlns:r="http://schemas.openxmlformats.org/officeDocument/2006/relationships" xmlns:p="http://schemas.openxmlformats.org/presentationml/2006/main">
+  <p:cSld>
+    <p:spTree>
+      <p:nvGrpSpPr>
+        <p:cNvPr id="1" name=""/>
+        <p:cNvGrpSpPr/>
+        <p:nvPr/>
+      </p:nvGrpSpPr>
+      <p:grpSpPr>
+        <a:xfrm>
+          <a:off x="0" y="0"/>
+          <a:ext cx="0" cy="0"/>
+          <a:chOff x="0" y="0"/>
+          <a:chExt cx="0" cy="0"/>
+        </a:xfrm>
+      </p:grpSpPr>
+      <p:sp>
+        <p:nvSpPr>
+          <p:cNvPr id="2" name="1 Título"/>
+          <p:cNvSpPr>
+            <a:spLocks noGrp="1"/>
+          </p:cNvSpPr>
+          <p:nvPr>
+            <p:ph type="title"/>
+          </p:nvPr>
+        </p:nvSpPr>
+        <p:spPr/>
+        <p:txBody>
+          <a:bodyPr/>
+          <a:lstStyle/>
+          <a:p>
+            <a:pPr algn="ctr"/>
+            <a:r>
+              <a:rPr lang="es-ES" b="1" dirty="0" smtClean="0">
+                <a:latin typeface="Cambria" pitchFamily="18" charset="0"/>
+                <a:ea typeface="Cambria" pitchFamily="18" charset="0"/>
+              </a:rPr>
+              <a:t>SISTEMAS INFORMÁTICOS</a:t>
+            </a:r>
+            <a:endParaRPr lang="es-ES" b="1" dirty="0">
+              <a:latin typeface="Cambria" pitchFamily="18" charset="0"/>
+              <a:ea typeface="Cambria" pitchFamily="18" charset="0"/>
+            </a:endParaRPr>
+          </a:p>
+        </p:txBody>
+      </p:sp>
+      <p:sp>
+        <p:nvSpPr>
+          <p:cNvPr id="3" name="2 Marcador de texto"/>
+          <p:cNvSpPr>
+            <a:spLocks noGrp="1"/>
+          </p:cNvSpPr>
+          <p:nvPr>
+            <p:ph type="body" sz="half" idx="2"/>
+          </p:nvPr>
+        </p:nvSpPr>
+        <p:spPr/>
+        <p:txBody>
+          <a:bodyPr/>
+          <a:lstStyle/>
+          <a:p>
+            <a:pPr algn="ctr"/>
+            <a:r>
+              <a:rPr lang="es-ES" dirty="0" smtClean="0"/>
+              <a:t>Adrián Tresgallo</a:t>
+            </a:r>
+            <a:endParaRPr lang="es-ES" dirty="0"/>
+          </a:p>
+        </p:txBody>
+      </p:sp>
+      <p:pic>
+        <p:nvPicPr>
+          <p:cNvPr id="7" name="6 Marcador de posición de imagen" descr="Screenshot 2024-05-17 at 10-03-17 virtualbox-maquina-virtual-optimized.webp (Imagen AVIF 1280 × 720 píxeles) - Escalado (98 %).png"/>
+          <p:cNvPicPr>
+            <a:picLocks noGrp="1" noChangeAspect="1"/>
+          </p:cNvPicPr>
+          <p:nvPr>
+            <p:ph type="pic" idx="1"/>
+          </p:nvPr>
+        </p:nvPicPr>
+        <p:blipFill>
+          <a:blip r:embed="rId2" cstate="print"/>
+          <a:srcRect t="4753" b="4753"/>
+          <a:stretch>
+            <a:fillRect/>
+          </a:stretch>
+        </p:blipFill>
+        <p:spPr>
+          <a:xfrm>
+            <a:off x="68308" y="66675"/>
+            <a:ext cx="9001873" cy="4719647"/>
+          </a:xfrm>
+        </p:spPr>
+      </p:pic>
+    </p:spTree>
+  </p:cSld>
+  <p:clrMapOvr>
+    <a:masterClrMapping/>
+  </p:clrMapOvr>
+</p:sld>
+</file>
+
+<file path=ppt/slides/slide18.xml><?xml version="1.0" encoding="utf-8"?>
 <p:sld xmlns:a="http://schemas.openxmlformats.org/drawingml/2006/main" xmlns:r="http://schemas.openxmlformats.org/officeDocument/2006/relationships" xmlns:p="http://schemas.openxmlformats.org/presentationml/2006/main">
   <p:cSld>
     <p:spTree>
